--- a/Static Keyword.pptx
+++ b/Static Keyword.pptx
@@ -12,17 +12,17 @@
     <p:sldId id="268" r:id="rId6"/>
     <p:sldId id="269" r:id="rId7"/>
     <p:sldId id="270" r:id="rId8"/>
-    <p:sldId id="271" r:id="rId9"/>
-    <p:sldId id="273" r:id="rId10"/>
-    <p:sldId id="274" r:id="rId11"/>
-    <p:sldId id="272" r:id="rId12"/>
-    <p:sldId id="258" r:id="rId13"/>
-    <p:sldId id="264" r:id="rId14"/>
-    <p:sldId id="259" r:id="rId15"/>
-    <p:sldId id="260" r:id="rId16"/>
-    <p:sldId id="263" r:id="rId17"/>
-    <p:sldId id="261" r:id="rId18"/>
-    <p:sldId id="262" r:id="rId19"/>
+    <p:sldId id="275" r:id="rId9"/>
+    <p:sldId id="276" r:id="rId10"/>
+    <p:sldId id="277" r:id="rId11"/>
+    <p:sldId id="271" r:id="rId12"/>
+    <p:sldId id="273" r:id="rId13"/>
+    <p:sldId id="274" r:id="rId14"/>
+    <p:sldId id="272" r:id="rId15"/>
+    <p:sldId id="278" r:id="rId16"/>
+    <p:sldId id="279" r:id="rId17"/>
+    <p:sldId id="280" r:id="rId18"/>
+    <p:sldId id="281" r:id="rId19"/>
   </p:sldIdLst>
   <p:sldSz cx="9144000" cy="6858000" type="screen4x3"/>
   <p:notesSz cx="6858000" cy="9144000"/>
@@ -345,7 +345,7 @@
               <a:pPr>
                 <a:defRPr/>
               </a:pPr>
-              <a:t>7/31/2024</a:t>
+              <a:t>8/2/2024</a:t>
             </a:fld>
             <a:endParaRPr lang="en-US"/>
           </a:p>
@@ -537,7 +537,7 @@
               <a:pPr>
                 <a:defRPr/>
               </a:pPr>
-              <a:t>7/31/2024</a:t>
+              <a:t>8/2/2024</a:t>
             </a:fld>
             <a:endParaRPr lang="en-US"/>
           </a:p>
@@ -739,7 +739,7 @@
               <a:pPr>
                 <a:defRPr/>
               </a:pPr>
-              <a:t>7/31/2024</a:t>
+              <a:t>8/2/2024</a:t>
             </a:fld>
             <a:endParaRPr lang="en-US"/>
           </a:p>
@@ -931,7 +931,7 @@
               <a:pPr>
                 <a:defRPr/>
               </a:pPr>
-              <a:t>7/31/2024</a:t>
+              <a:t>8/2/2024</a:t>
             </a:fld>
             <a:endParaRPr lang="en-US"/>
           </a:p>
@@ -1199,7 +1199,7 @@
               <a:pPr>
                 <a:defRPr/>
               </a:pPr>
-              <a:t>7/31/2024</a:t>
+              <a:t>8/2/2024</a:t>
             </a:fld>
             <a:endParaRPr lang="en-US"/>
           </a:p>
@@ -1509,7 +1509,7 @@
               <a:pPr>
                 <a:defRPr/>
               </a:pPr>
-              <a:t>7/31/2024</a:t>
+              <a:t>8/2/2024</a:t>
             </a:fld>
             <a:endParaRPr lang="en-US"/>
           </a:p>
@@ -1953,7 +1953,7 @@
               <a:pPr>
                 <a:defRPr/>
               </a:pPr>
-              <a:t>7/31/2024</a:t>
+              <a:t>8/2/2024</a:t>
             </a:fld>
             <a:endParaRPr lang="en-US"/>
           </a:p>
@@ -2093,7 +2093,7 @@
               <a:pPr>
                 <a:defRPr/>
               </a:pPr>
-              <a:t>7/31/2024</a:t>
+              <a:t>8/2/2024</a:t>
             </a:fld>
             <a:endParaRPr lang="en-US"/>
           </a:p>
@@ -2210,7 +2210,7 @@
               <a:pPr>
                 <a:defRPr/>
               </a:pPr>
-              <a:t>7/31/2024</a:t>
+              <a:t>8/2/2024</a:t>
             </a:fld>
             <a:endParaRPr lang="en-US"/>
           </a:p>
@@ -2509,7 +2509,7 @@
               <a:pPr>
                 <a:defRPr/>
               </a:pPr>
-              <a:t>7/31/2024</a:t>
+              <a:t>8/2/2024</a:t>
             </a:fld>
             <a:endParaRPr lang="en-US"/>
           </a:p>
@@ -2787,7 +2787,7 @@
               <a:pPr>
                 <a:defRPr/>
               </a:pPr>
-              <a:t>7/31/2024</a:t>
+              <a:t>8/2/2024</a:t>
             </a:fld>
             <a:endParaRPr lang="en-US"/>
           </a:p>
@@ -3043,7 +3043,7 @@
               <a:pPr>
                 <a:defRPr/>
               </a:pPr>
-              <a:t>7/31/2024</a:t>
+              <a:t>8/2/2024</a:t>
             </a:fld>
             <a:endParaRPr lang="en-US"/>
           </a:p>
@@ -3658,7 +3658,15 @@
           <a:bodyPr/>
           <a:lstStyle/>
           <a:p>
-            <a:endParaRPr lang="en-US"/>
+            <a:r>
+              <a:rPr lang="en-US" dirty="0" smtClean="0"/>
+              <a:t>Main </a:t>
+            </a:r>
+            <a:r>
+              <a:rPr lang="en-US" dirty="0" smtClean="0"/>
+              <a:t>Method with static</a:t>
+            </a:r>
+            <a:endParaRPr lang="en-US" dirty="0"/>
           </a:p>
         </p:txBody>
       </p:sp>
@@ -3672,123 +3680,66 @@
             <p:ph idx="1"/>
           </p:nvPr>
         </p:nvSpPr>
-        <p:spPr>
-          <a:xfrm>
-            <a:off x="914400" y="1676400"/>
-            <a:ext cx="8229600" cy="4525963"/>
-          </a:xfrm>
-        </p:spPr>
+        <p:spPr/>
         <p:txBody>
           <a:bodyPr/>
           <a:lstStyle/>
           <a:p>
             <a:r>
-              <a:rPr lang="en-US" sz="2800" dirty="0" smtClean="0"/>
+              <a:rPr lang="en-US" dirty="0" smtClean="0"/>
+              <a:t>main method is </a:t>
+            </a:r>
+            <a:r>
+              <a:rPr lang="en-US" dirty="0" err="1" smtClean="0"/>
+              <a:t>static.Called</a:t>
+            </a:r>
+            <a:r>
+              <a:rPr lang="en-US" dirty="0" smtClean="0"/>
+              <a:t> by Java runtime without creating an instance</a:t>
+            </a:r>
+            <a:r>
+              <a:rPr lang="en-US" dirty="0" smtClean="0"/>
+              <a:t>.</a:t>
+            </a:r>
+          </a:p>
+          <a:p>
+            <a:r>
+              <a:rPr lang="en-US" dirty="0" smtClean="0"/>
               <a:t>public class Main {</a:t>
             </a:r>
           </a:p>
           <a:p>
             <a:r>
-              <a:rPr lang="en-US" sz="2800" dirty="0" smtClean="0"/>
+              <a:rPr lang="en-US" dirty="0" smtClean="0"/>
               <a:t>    public static void main(String[] </a:t>
             </a:r>
             <a:r>
-              <a:rPr lang="en-US" sz="2800" dirty="0" err="1" smtClean="0"/>
+              <a:rPr lang="en-US" dirty="0" err="1" smtClean="0"/>
               <a:t>args</a:t>
             </a:r>
             <a:r>
-              <a:rPr lang="en-US" sz="2800" dirty="0" smtClean="0"/>
+              <a:rPr lang="en-US" dirty="0" smtClean="0"/>
               <a:t>) {</a:t>
             </a:r>
           </a:p>
           <a:p>
             <a:r>
-              <a:rPr lang="en-US" sz="2800" dirty="0" smtClean="0"/>
-              <a:t>        // Calling static methods without creating an instance of the class</a:t>
-            </a:r>
-          </a:p>
-          <a:p>
-            <a:r>
-              <a:rPr lang="en-US" sz="2800" dirty="0" smtClean="0"/>
+              <a:rPr lang="en-US" dirty="0" smtClean="0"/>
               <a:t>        </a:t>
             </a:r>
             <a:r>
-              <a:rPr lang="en-US" sz="2800" dirty="0" err="1" smtClean="0"/>
-              <a:t>int</a:t>
-            </a:r>
-            <a:r>
-              <a:rPr lang="en-US" sz="2800" dirty="0" smtClean="0"/>
-              <a:t> </a:t>
-            </a:r>
-            <a:r>
-              <a:rPr lang="en-US" sz="2800" dirty="0" err="1" smtClean="0"/>
-              <a:t>squareOfFive</a:t>
-            </a:r>
-            <a:r>
-              <a:rPr lang="en-US" sz="2800" dirty="0" smtClean="0"/>
-              <a:t> </a:t>
-            </a:r>
-            <a:r>
-              <a:rPr lang="en-US" sz="2800" dirty="0" smtClean="0">
-                <a:solidFill>
-                  <a:srgbClr val="FF0000"/>
-                </a:solidFill>
-              </a:rPr>
-              <a:t>= </a:t>
-            </a:r>
-            <a:r>
-              <a:rPr lang="en-US" sz="2800" dirty="0" err="1" smtClean="0">
-                <a:solidFill>
-                  <a:srgbClr val="FF0000"/>
-                </a:solidFill>
-              </a:rPr>
-              <a:t>MathOperations.square</a:t>
-            </a:r>
-            <a:r>
-              <a:rPr lang="en-US" sz="2800" dirty="0" smtClean="0">
-                <a:solidFill>
-                  <a:srgbClr val="FF0000"/>
-                </a:solidFill>
-              </a:rPr>
-              <a:t>(5</a:t>
-            </a:r>
-            <a:r>
-              <a:rPr lang="en-US" sz="2800" dirty="0" smtClean="0"/>
-              <a:t>);</a:t>
-            </a:r>
-          </a:p>
-          <a:p>
-            <a:r>
-              <a:rPr lang="en-US" sz="2800" dirty="0" smtClean="0"/>
-              <a:t>        // Printing the results</a:t>
-            </a:r>
-          </a:p>
-          <a:p>
-            <a:r>
-              <a:rPr lang="en-US" sz="2800" dirty="0" smtClean="0"/>
-              <a:t>        </a:t>
-            </a:r>
-            <a:r>
-              <a:rPr lang="en-US" sz="2800" dirty="0" err="1" smtClean="0"/>
+              <a:rPr lang="en-US" dirty="0" err="1" smtClean="0"/>
               <a:t>System.out.println</a:t>
             </a:r>
             <a:r>
-              <a:rPr lang="en-US" sz="2800" dirty="0" smtClean="0"/>
-              <a:t>("Square of 5: " + </a:t>
-            </a:r>
-            <a:r>
-              <a:rPr lang="en-US" sz="2800" dirty="0" err="1" smtClean="0"/>
-              <a:t>squareOfFive</a:t>
-            </a:r>
-            <a:r>
-              <a:rPr lang="en-US" sz="2800" dirty="0" smtClean="0"/>
-              <a:t>); // Output: Square of 5: 25</a:t>
-            </a:r>
-          </a:p>
-          <a:p>
-            <a:r>
-              <a:rPr lang="en-US" dirty="0" smtClean="0"/>
-              <a:t>}</a:t>
+              <a:rPr lang="en-US" dirty="0" smtClean="0"/>
+              <a:t>("Hello, world!");</a:t>
+            </a:r>
+          </a:p>
+          <a:p>
+            <a:r>
+              <a:rPr lang="en-US" dirty="0" smtClean="0"/>
+              <a:t>    }</a:t>
             </a:r>
           </a:p>
           <a:p>
@@ -3842,11 +3793,7 @@
           <a:bodyPr/>
           <a:lstStyle/>
           <a:p>
-            <a:r>
-              <a:rPr lang="en-US" dirty="0" smtClean="0"/>
-              <a:t>syntax for calling a static method</a:t>
-            </a:r>
-            <a:endParaRPr lang="en-US" dirty="0"/>
+            <a:endParaRPr lang="en-US"/>
           </a:p>
         </p:txBody>
       </p:sp>
@@ -3867,17 +3814,77 @@
           <a:p>
             <a:r>
               <a:rPr lang="en-US" dirty="0" smtClean="0"/>
-              <a:t>The syntax for calling a static method in Java is simple. Use the class name followed by a dot (.) and the method name. Here's the general syntax:</a:t>
-            </a:r>
-          </a:p>
-          <a:p>
+              <a:t>class </a:t>
+            </a:r>
             <a:r>
               <a:rPr lang="en-US" dirty="0" err="1" smtClean="0"/>
-              <a:t>ClassName.methodName</a:t>
-            </a:r>
-            <a:r>
-              <a:rPr lang="en-US" dirty="0" smtClean="0"/>
-              <a:t>(arguments);</a:t>
+              <a:t>ClassName</a:t>
+            </a:r>
+            <a:r>
+              <a:rPr lang="en-US" dirty="0" smtClean="0"/>
+              <a:t> {</a:t>
+            </a:r>
+          </a:p>
+          <a:p>
+            <a:r>
+              <a:rPr lang="en-US" dirty="0" smtClean="0"/>
+              <a:t>    // Static method</a:t>
+            </a:r>
+          </a:p>
+          <a:p>
+            <a:r>
+              <a:rPr lang="en-US" dirty="0" smtClean="0"/>
+              <a:t>    </a:t>
+            </a:r>
+            <a:r>
+              <a:rPr lang="en-US" dirty="0" smtClean="0">
+                <a:solidFill>
+                  <a:srgbClr val="FF0000"/>
+                </a:solidFill>
+              </a:rPr>
+              <a:t>static</a:t>
+            </a:r>
+            <a:r>
+              <a:rPr lang="en-US" dirty="0" smtClean="0"/>
+              <a:t> </a:t>
+            </a:r>
+            <a:r>
+              <a:rPr lang="en-US" dirty="0" err="1" smtClean="0"/>
+              <a:t>returnType</a:t>
+            </a:r>
+            <a:r>
+              <a:rPr lang="en-US" dirty="0" smtClean="0"/>
+              <a:t> </a:t>
+            </a:r>
+            <a:r>
+              <a:rPr lang="en-US" dirty="0" err="1" smtClean="0">
+                <a:solidFill>
+                  <a:srgbClr val="FF0000"/>
+                </a:solidFill>
+              </a:rPr>
+              <a:t>methodName</a:t>
+            </a:r>
+            <a:r>
+              <a:rPr lang="en-US" dirty="0" smtClean="0"/>
+              <a:t>(parameters) {</a:t>
+            </a:r>
+          </a:p>
+          <a:p>
+            <a:r>
+              <a:rPr lang="en-US" dirty="0" smtClean="0"/>
+              <a:t>        // Method body</a:t>
+            </a:r>
+          </a:p>
+          <a:p>
+            <a:r>
+              <a:rPr lang="en-US" dirty="0" smtClean="0"/>
+              <a:t>    }</a:t>
+            </a:r>
+          </a:p>
+          <a:p>
+            <a:r>
+              <a:rPr lang="en-US" dirty="0" smtClean="0"/>
+              <a:t>}</a:t>
             </a:r>
           </a:p>
           <a:p>
@@ -3912,7 +3919,7 @@
       </p:grpSpPr>
       <p:sp>
         <p:nvSpPr>
-          <p:cNvPr id="4098" name="Title 1"/>
+          <p:cNvPr id="2" name="Title 1"/>
           <p:cNvSpPr>
             <a:spLocks noGrp="1"/>
           </p:cNvSpPr>
@@ -3925,16 +3932,13 @@
           <a:bodyPr/>
           <a:lstStyle/>
           <a:p>
-            <a:r>
-              <a:rPr lang="en-US" smtClean="0"/>
-              <a:t>When can we access static variable</a:t>
-            </a:r>
-          </a:p>
-        </p:txBody>
-      </p:sp>
-      <p:sp>
-        <p:nvSpPr>
-          <p:cNvPr id="4099" name="Content Placeholder 2"/>
+            <a:endParaRPr lang="en-US"/>
+          </a:p>
+        </p:txBody>
+      </p:sp>
+      <p:sp>
+        <p:nvSpPr>
+          <p:cNvPr id="3" name="Content Placeholder 2"/>
           <p:cNvSpPr>
             <a:spLocks noGrp="1"/>
           </p:cNvSpPr>
@@ -3948,21 +3952,79 @@
           <a:lstStyle/>
           <a:p>
             <a:r>
-              <a:rPr lang="en-US" smtClean="0"/>
-              <a:t>When a class is loaded by the virtual machine all the static variables and methods are available for use. </a:t>
-            </a:r>
-          </a:p>
-          <a:p>
-            <a:r>
-              <a:rPr lang="en-US" smtClean="0"/>
-              <a:t>Hence we don’t need to create any instance of the class for using the static variables or methods.</a:t>
-            </a:r>
-          </a:p>
-          <a:p>
-            <a:r>
-              <a:rPr lang="en-US" smtClean="0"/>
-              <a:t>Variables which don’t have static keyword in the definition are implicitly non static.</a:t>
-            </a:r>
+              <a:rPr lang="en-US" dirty="0" smtClean="0"/>
+              <a:t>class </a:t>
+            </a:r>
+            <a:r>
+              <a:rPr lang="en-US" dirty="0" err="1" smtClean="0"/>
+              <a:t>MathOperations</a:t>
+            </a:r>
+            <a:r>
+              <a:rPr lang="en-US" dirty="0" smtClean="0"/>
+              <a:t> {</a:t>
+            </a:r>
+          </a:p>
+          <a:p>
+            <a:pPr>
+              <a:buNone/>
+            </a:pPr>
+            <a:r>
+              <a:rPr lang="en-US" dirty="0" smtClean="0"/>
+              <a:t>   </a:t>
+            </a:r>
+          </a:p>
+          <a:p>
+            <a:pPr>
+              <a:buNone/>
+            </a:pPr>
+            <a:r>
+              <a:rPr lang="en-US" dirty="0" smtClean="0"/>
+              <a:t>  static </a:t>
+            </a:r>
+            <a:r>
+              <a:rPr lang="en-US" dirty="0" err="1" smtClean="0"/>
+              <a:t>int</a:t>
+            </a:r>
+            <a:r>
+              <a:rPr lang="en-US" dirty="0" smtClean="0"/>
+              <a:t> square(</a:t>
+            </a:r>
+            <a:r>
+              <a:rPr lang="en-US" dirty="0" err="1" smtClean="0"/>
+              <a:t>int</a:t>
+            </a:r>
+            <a:r>
+              <a:rPr lang="en-US" dirty="0" smtClean="0"/>
+              <a:t> number) {</a:t>
+            </a:r>
+          </a:p>
+          <a:p>
+            <a:pPr>
+              <a:buNone/>
+            </a:pPr>
+            <a:r>
+              <a:rPr lang="en-US" dirty="0" smtClean="0"/>
+              <a:t>       return number * number;</a:t>
+            </a:r>
+          </a:p>
+          <a:p>
+            <a:pPr>
+              <a:buNone/>
+            </a:pPr>
+            <a:r>
+              <a:rPr lang="en-US" dirty="0" smtClean="0"/>
+              <a:t>    }</a:t>
+            </a:r>
+          </a:p>
+          <a:p>
+            <a:pPr>
+              <a:buNone/>
+            </a:pPr>
+            <a:r>
+              <a:rPr lang="en-US" dirty="0" smtClean="0"/>
+              <a:t>    </a:t>
+            </a:r>
+            <a:endParaRPr lang="en-US" dirty="0"/>
           </a:p>
         </p:txBody>
       </p:sp>
@@ -4020,32 +4082,132 @@
             <p:ph idx="1"/>
           </p:nvPr>
         </p:nvSpPr>
-        <p:spPr/>
+        <p:spPr>
+          <a:xfrm>
+            <a:off x="914400" y="1676400"/>
+            <a:ext cx="8229600" cy="4525963"/>
+          </a:xfrm>
+        </p:spPr>
         <p:txBody>
           <a:bodyPr/>
           <a:lstStyle/>
           <a:p>
             <a:r>
-              <a:rPr lang="en-US" b="0" i="0" dirty="0" smtClean="0">
+              <a:rPr lang="en-US" sz="2800" dirty="0" smtClean="0"/>
+              <a:t>public class Main {</a:t>
+            </a:r>
+          </a:p>
+          <a:p>
+            <a:r>
+              <a:rPr lang="en-US" sz="2800" dirty="0" smtClean="0"/>
+              <a:t>    public static void main(String[] </a:t>
+            </a:r>
+            <a:r>
+              <a:rPr lang="en-US" sz="2800" dirty="0" err="1" smtClean="0"/>
+              <a:t>args</a:t>
+            </a:r>
+            <a:r>
+              <a:rPr lang="en-US" sz="2800" dirty="0" smtClean="0"/>
+              <a:t>) {</a:t>
+            </a:r>
+          </a:p>
+          <a:p>
+            <a:r>
+              <a:rPr lang="en-US" sz="2800" dirty="0" smtClean="0"/>
+              <a:t>        // Calling static methods without creating an instance of the class</a:t>
+            </a:r>
+          </a:p>
+          <a:p>
+            <a:r>
+              <a:rPr lang="en-US" sz="2800" dirty="0" smtClean="0"/>
+              <a:t>        </a:t>
+            </a:r>
+            <a:r>
+              <a:rPr lang="en-US" sz="2800" dirty="0" err="1" smtClean="0"/>
+              <a:t>int</a:t>
+            </a:r>
+            <a:r>
+              <a:rPr lang="en-US" sz="2800" dirty="0" smtClean="0"/>
+              <a:t> </a:t>
+            </a:r>
+            <a:r>
+              <a:rPr lang="en-US" sz="2800" dirty="0" err="1" smtClean="0"/>
+              <a:t>squareOfFive</a:t>
+            </a:r>
+            <a:r>
+              <a:rPr lang="en-US" sz="2800" dirty="0" smtClean="0"/>
+              <a:t> </a:t>
+            </a:r>
+            <a:r>
+              <a:rPr lang="en-US" sz="2800" dirty="0" smtClean="0">
                 <a:solidFill>
-                  <a:srgbClr val="000000"/>
+                  <a:srgbClr val="FF0000"/>
                 </a:solidFill>
-                <a:latin typeface="Verdana"/>
               </a:rPr>
-              <a:t>.</a:t>
-            </a:r>
-            <a:r>
-              <a:rPr lang="en-US" dirty="0" smtClean="0"/>
-              <a:t>Class </a:t>
-            </a:r>
-            <a:r>
-              <a:rPr lang="en-US" dirty="0" smtClean="0"/>
-              <a:t>variables and methods can be accessed using the class name followed by a dot and the name of the variable or </a:t>
-            </a:r>
-            <a:r>
-              <a:rPr lang="en-US" dirty="0" smtClean="0"/>
-              <a:t>method</a:t>
-            </a:r>
+              <a:t>= </a:t>
+            </a:r>
+            <a:r>
+              <a:rPr lang="en-US" sz="2800" dirty="0" err="1" smtClean="0">
+                <a:solidFill>
+                  <a:srgbClr val="FF0000"/>
+                </a:solidFill>
+              </a:rPr>
+              <a:t>MathOperations.square</a:t>
+            </a:r>
+            <a:r>
+              <a:rPr lang="en-US" sz="2800" dirty="0" smtClean="0">
+                <a:solidFill>
+                  <a:srgbClr val="FF0000"/>
+                </a:solidFill>
+              </a:rPr>
+              <a:t>(5</a:t>
+            </a:r>
+            <a:r>
+              <a:rPr lang="en-US" sz="2800" dirty="0" smtClean="0"/>
+              <a:t>);</a:t>
+            </a:r>
+          </a:p>
+          <a:p>
+            <a:r>
+              <a:rPr lang="en-US" sz="2800" dirty="0" smtClean="0"/>
+              <a:t>        // Printing the results</a:t>
+            </a:r>
+          </a:p>
+          <a:p>
+            <a:r>
+              <a:rPr lang="en-US" sz="2800" dirty="0" smtClean="0"/>
+              <a:t>        </a:t>
+            </a:r>
+            <a:r>
+              <a:rPr lang="en-US" sz="2800" dirty="0" err="1" smtClean="0"/>
+              <a:t>System.out.println</a:t>
+            </a:r>
+            <a:r>
+              <a:rPr lang="en-US" sz="2800" dirty="0" smtClean="0"/>
+              <a:t>("Square of 5: " + </a:t>
+            </a:r>
+            <a:r>
+              <a:rPr lang="en-US" sz="2800" dirty="0" err="1" smtClean="0"/>
+              <a:t>squareOfFive</a:t>
+            </a:r>
+            <a:r>
+              <a:rPr lang="en-US" sz="2800" dirty="0" smtClean="0"/>
+              <a:t>); // Output: Square of 5: 25</a:t>
+            </a:r>
+          </a:p>
+          <a:p>
+            <a:r>
+              <a:rPr lang="en-US" dirty="0" smtClean="0"/>
+              <a:t>}</a:t>
+            </a:r>
+          </a:p>
+          <a:p>
+            <a:r>
+              <a:rPr lang="en-US" dirty="0" smtClean="0"/>
+              <a:t>}</a:t>
+            </a:r>
+          </a:p>
+          <a:p>
             <a:endParaRPr lang="en-US" dirty="0"/>
           </a:p>
         </p:txBody>
@@ -4077,7 +4239,7 @@
       </p:grpSpPr>
       <p:sp>
         <p:nvSpPr>
-          <p:cNvPr id="5122" name="Title 1"/>
+          <p:cNvPr id="2" name="Title 1"/>
           <p:cNvSpPr>
             <a:spLocks noGrp="1"/>
           </p:cNvSpPr>
@@ -4091,9 +4253,10 @@
           <a:lstStyle/>
           <a:p>
             <a:r>
-              <a:rPr lang="en-US" smtClean="0"/>
-              <a:t>Example</a:t>
-            </a:r>
+              <a:rPr lang="en-US" dirty="0" smtClean="0"/>
+              <a:t>syntax for calling a static method</a:t>
+            </a:r>
+            <a:endParaRPr lang="en-US" dirty="0"/>
           </a:p>
         </p:txBody>
       </p:sp>
@@ -4109,360 +4272,26 @@
         </p:nvSpPr>
         <p:spPr/>
         <p:txBody>
-          <a:bodyPr rtlCol="0">
-            <a:normAutofit fontScale="92500" lnSpcReduction="20000"/>
-          </a:bodyPr>
+          <a:bodyPr/>
           <a:lstStyle/>
           <a:p>
-            <a:pPr fontAlgn="auto">
-              <a:spcAft>
-                <a:spcPts val="0"/>
-              </a:spcAft>
-              <a:buFont typeface="Arial" pitchFamily="34" charset="0"/>
-              <a:buNone/>
-              <a:defRPr/>
-            </a:pPr>
-            <a:r>
-              <a:rPr lang="en-US" sz="1600" dirty="0" smtClean="0"/>
-              <a:t>Class </a:t>
-            </a:r>
-            <a:r>
-              <a:rPr lang="en-US" sz="1600" dirty="0" err="1" smtClean="0"/>
-              <a:t>staticDemo</a:t>
-            </a:r>
-            <a:r>
-              <a:rPr lang="en-US" sz="1600" dirty="0" smtClean="0"/>
-              <a:t>{</a:t>
-            </a:r>
-          </a:p>
-          <a:p>
-            <a:pPr fontAlgn="auto">
-              <a:spcAft>
-                <a:spcPts val="0"/>
-              </a:spcAft>
-              <a:buFont typeface="Arial" pitchFamily="34" charset="0"/>
-              <a:buNone/>
-              <a:defRPr/>
-            </a:pPr>
-            <a:r>
-              <a:rPr lang="en-US" sz="1600" dirty="0" smtClean="0"/>
-              <a:t>	public static </a:t>
-            </a:r>
-            <a:r>
-              <a:rPr lang="en-US" sz="1600" dirty="0" err="1" smtClean="0"/>
-              <a:t>int</a:t>
-            </a:r>
-            <a:r>
-              <a:rPr lang="en-US" sz="1600" dirty="0" smtClean="0"/>
-              <a:t> a = 100; // All instances of </a:t>
-            </a:r>
-            <a:r>
-              <a:rPr lang="en-US" sz="1600" dirty="0" err="1" smtClean="0"/>
-              <a:t>staticDemo</a:t>
-            </a:r>
-            <a:r>
-              <a:rPr lang="en-US" sz="1600" dirty="0" smtClean="0"/>
-              <a:t> have this variable as a common `</a:t>
-            </a:r>
-          </a:p>
-          <a:p>
-            <a:pPr fontAlgn="auto">
-              <a:spcAft>
-                <a:spcPts val="0"/>
-              </a:spcAft>
-              <a:buFont typeface="Arial" pitchFamily="34" charset="0"/>
-              <a:buNone/>
-              <a:defRPr/>
-            </a:pPr>
-            <a:r>
-              <a:rPr lang="en-US" sz="1600" dirty="0" smtClean="0"/>
-              <a:t>				variable</a:t>
-            </a:r>
-          </a:p>
-          <a:p>
-            <a:pPr fontAlgn="auto">
-              <a:spcAft>
-                <a:spcPts val="0"/>
-              </a:spcAft>
-              <a:buFont typeface="Arial" pitchFamily="34" charset="0"/>
-              <a:buNone/>
-              <a:defRPr/>
-            </a:pPr>
-            <a:r>
-              <a:rPr lang="en-US" sz="1600" dirty="0" smtClean="0"/>
-              <a:t>	public </a:t>
-            </a:r>
-            <a:r>
-              <a:rPr lang="en-US" sz="1600" dirty="0" err="1" smtClean="0"/>
-              <a:t>int</a:t>
-            </a:r>
-            <a:r>
-              <a:rPr lang="en-US" sz="1600" dirty="0" smtClean="0"/>
-              <a:t> b =2 ;</a:t>
-            </a:r>
-          </a:p>
-          <a:p>
-            <a:pPr fontAlgn="auto">
-              <a:spcAft>
-                <a:spcPts val="0"/>
-              </a:spcAft>
-              <a:buFont typeface="Arial" pitchFamily="34" charset="0"/>
-              <a:buNone/>
-              <a:defRPr/>
-            </a:pPr>
-            <a:r>
-              <a:rPr lang="en-US" sz="1600" dirty="0" smtClean="0"/>
-              <a:t>	public static </a:t>
-            </a:r>
-            <a:r>
-              <a:rPr lang="en-US" sz="1600" dirty="0" err="1" smtClean="0"/>
-              <a:t>showA</a:t>
-            </a:r>
-            <a:r>
-              <a:rPr lang="en-US" sz="1600" dirty="0" smtClean="0"/>
-              <a:t>(){</a:t>
-            </a:r>
-          </a:p>
-          <a:p>
-            <a:pPr fontAlgn="auto">
-              <a:spcAft>
-                <a:spcPts val="0"/>
-              </a:spcAft>
-              <a:buFont typeface="Arial" pitchFamily="34" charset="0"/>
-              <a:buNone/>
-              <a:defRPr/>
-            </a:pPr>
-            <a:r>
-              <a:rPr lang="en-US" sz="1600" dirty="0" smtClean="0"/>
-              <a:t>		</a:t>
-            </a:r>
-            <a:r>
-              <a:rPr lang="en-US" sz="1600" dirty="0" err="1" smtClean="0"/>
-              <a:t>System.out.println</a:t>
-            </a:r>
-            <a:r>
-              <a:rPr lang="en-US" sz="1600" dirty="0" smtClean="0"/>
-              <a:t>(“A is “+a);</a:t>
-            </a:r>
-          </a:p>
-          <a:p>
-            <a:pPr fontAlgn="auto">
-              <a:spcAft>
-                <a:spcPts val="0"/>
-              </a:spcAft>
-              <a:buFont typeface="Arial" pitchFamily="34" charset="0"/>
-              <a:buNone/>
-              <a:defRPr/>
-            </a:pPr>
-            <a:r>
-              <a:rPr lang="en-US" sz="1600" dirty="0" smtClean="0"/>
-              <a:t>	}</a:t>
-            </a:r>
-          </a:p>
-          <a:p>
-            <a:pPr fontAlgn="auto">
-              <a:spcAft>
-                <a:spcPts val="0"/>
-              </a:spcAft>
-              <a:buFont typeface="Arial" pitchFamily="34" charset="0"/>
-              <a:buNone/>
-              <a:defRPr/>
-            </a:pPr>
-            <a:r>
-              <a:rPr lang="en-US" sz="1600" dirty="0" smtClean="0"/>
-              <a:t>}</a:t>
-            </a:r>
-          </a:p>
-          <a:p>
-            <a:pPr fontAlgn="auto">
-              <a:spcAft>
-                <a:spcPts val="0"/>
-              </a:spcAft>
-              <a:buFont typeface="Arial" pitchFamily="34" charset="0"/>
-              <a:buNone/>
-              <a:defRPr/>
-            </a:pPr>
-            <a:r>
-              <a:rPr lang="en-US" sz="1600" dirty="0" smtClean="0"/>
-              <a:t>Class </a:t>
-            </a:r>
-            <a:r>
-              <a:rPr lang="en-US" sz="1600" dirty="0" err="1" smtClean="0"/>
-              <a:t>execClass</a:t>
-            </a:r>
-            <a:r>
-              <a:rPr lang="en-US" sz="1600" dirty="0" smtClean="0"/>
-              <a:t>{</a:t>
-            </a:r>
-          </a:p>
-          <a:p>
-            <a:pPr fontAlgn="auto">
-              <a:spcAft>
-                <a:spcPts val="0"/>
-              </a:spcAft>
-              <a:buFont typeface="Arial" pitchFamily="34" charset="0"/>
-              <a:buNone/>
-              <a:defRPr/>
-            </a:pPr>
-            <a:r>
-              <a:rPr lang="en-US" sz="1600" dirty="0" smtClean="0"/>
-              <a:t>	public static void main(String </a:t>
-            </a:r>
-            <a:r>
-              <a:rPr lang="en-US" sz="1600" dirty="0" err="1" smtClean="0"/>
-              <a:t>args</a:t>
-            </a:r>
-            <a:r>
-              <a:rPr lang="en-US" sz="1600" dirty="0" smtClean="0"/>
-              <a:t>[]){</a:t>
-            </a:r>
-          </a:p>
-          <a:p>
-            <a:pPr fontAlgn="auto">
-              <a:spcAft>
-                <a:spcPts val="0"/>
-              </a:spcAft>
-              <a:buFont typeface="Arial" pitchFamily="34" charset="0"/>
-              <a:buNone/>
-              <a:defRPr/>
-            </a:pPr>
-            <a:r>
-              <a:rPr lang="en-US" sz="1600" dirty="0" smtClean="0"/>
-              <a:t>		</a:t>
-            </a:r>
-            <a:r>
-              <a:rPr lang="en-US" sz="1600" dirty="0" err="1" smtClean="0"/>
-              <a:t>staticDemo.a</a:t>
-            </a:r>
-            <a:r>
-              <a:rPr lang="en-US" sz="1600" dirty="0" smtClean="0"/>
-              <a:t> = 35; // when we use the class name, the class is loaded, direct access to 			a without any instance</a:t>
-            </a:r>
-          </a:p>
-          <a:p>
-            <a:pPr fontAlgn="auto">
-              <a:spcAft>
-                <a:spcPts val="0"/>
-              </a:spcAft>
-              <a:buFont typeface="Arial" pitchFamily="34" charset="0"/>
-              <a:buNone/>
-              <a:defRPr/>
-            </a:pPr>
-            <a:r>
-              <a:rPr lang="en-US" sz="1600" dirty="0" smtClean="0"/>
-              <a:t>		</a:t>
-            </a:r>
-            <a:r>
-              <a:rPr lang="en-US" sz="1600" dirty="0" err="1" smtClean="0"/>
-              <a:t>staticDemo.b</a:t>
-            </a:r>
-            <a:r>
-              <a:rPr lang="en-US" sz="1600" dirty="0" smtClean="0"/>
-              <a:t>=22; // ERROR this is not valid for non static variable</a:t>
-            </a:r>
-          </a:p>
-          <a:p>
-            <a:pPr fontAlgn="auto">
-              <a:spcAft>
-                <a:spcPts val="0"/>
-              </a:spcAft>
-              <a:buFont typeface="Arial" pitchFamily="34" charset="0"/>
-              <a:buNone/>
-              <a:defRPr/>
-            </a:pPr>
-            <a:r>
-              <a:rPr lang="en-US" sz="1600" dirty="0" smtClean="0"/>
-              <a:t>		</a:t>
-            </a:r>
-            <a:r>
-              <a:rPr lang="en-US" sz="1600" dirty="0" err="1" smtClean="0"/>
-              <a:t>staticDemo</a:t>
-            </a:r>
-            <a:r>
-              <a:rPr lang="en-US" sz="1600" dirty="0" smtClean="0"/>
-              <a:t> demo = new </a:t>
-            </a:r>
-            <a:r>
-              <a:rPr lang="en-US" sz="1600" dirty="0" err="1" smtClean="0"/>
-              <a:t>staticDemo</a:t>
-            </a:r>
-            <a:r>
-              <a:rPr lang="en-US" sz="1600" smtClean="0"/>
-              <a:t>(); </a:t>
-            </a:r>
-            <a:endParaRPr lang="en-US" sz="1600" dirty="0" smtClean="0"/>
-          </a:p>
-          <a:p>
-            <a:pPr fontAlgn="auto">
-              <a:spcAft>
-                <a:spcPts val="0"/>
-              </a:spcAft>
-              <a:buFont typeface="Arial" pitchFamily="34" charset="0"/>
-              <a:buNone/>
-              <a:defRPr/>
-            </a:pPr>
-            <a:r>
-              <a:rPr lang="en-US" sz="1600" dirty="0" smtClean="0"/>
-              <a:t>		</a:t>
-            </a:r>
-            <a:r>
-              <a:rPr lang="en-US" sz="1600" dirty="0" err="1" smtClean="0"/>
-              <a:t>demo.b</a:t>
-            </a:r>
-            <a:r>
-              <a:rPr lang="en-US" sz="1600" dirty="0" smtClean="0"/>
-              <a:t> = 200;  // valid to set a value for a non static variable after creating an instance.</a:t>
-            </a:r>
-          </a:p>
-          <a:p>
-            <a:pPr fontAlgn="auto">
-              <a:spcAft>
-                <a:spcPts val="0"/>
-              </a:spcAft>
-              <a:buFont typeface="Arial" pitchFamily="34" charset="0"/>
-              <a:buNone/>
-              <a:defRPr/>
-            </a:pPr>
-            <a:r>
-              <a:rPr lang="en-US" sz="1600" dirty="0" smtClean="0"/>
-              <a:t>		</a:t>
-            </a:r>
-            <a:r>
-              <a:rPr lang="en-US" sz="1600" dirty="0" err="1" smtClean="0"/>
-              <a:t>staticDemo.showA</a:t>
-            </a:r>
-            <a:r>
-              <a:rPr lang="en-US" sz="1600" dirty="0" smtClean="0"/>
-              <a:t>();  //prints 35</a:t>
-            </a:r>
-          </a:p>
-          <a:p>
-            <a:pPr fontAlgn="auto">
-              <a:spcAft>
-                <a:spcPts val="0"/>
-              </a:spcAft>
-              <a:buFont typeface="Arial" pitchFamily="34" charset="0"/>
-              <a:buNone/>
-              <a:defRPr/>
-            </a:pPr>
-            <a:r>
-              <a:rPr lang="en-US" sz="1600" dirty="0" smtClean="0"/>
-              <a:t>	}</a:t>
-            </a:r>
-          </a:p>
-          <a:p>
-            <a:pPr fontAlgn="auto">
-              <a:spcAft>
-                <a:spcPts val="0"/>
-              </a:spcAft>
-              <a:buFont typeface="Arial" pitchFamily="34" charset="0"/>
-              <a:buNone/>
-              <a:defRPr/>
-            </a:pPr>
-            <a:r>
-              <a:rPr lang="en-US" sz="1600" dirty="0" smtClean="0"/>
-              <a:t>}</a:t>
-            </a:r>
+            <a:r>
+              <a:rPr lang="en-US" dirty="0" smtClean="0"/>
+              <a:t>The syntax for calling a static method in Java is simple. Use the class name followed by a dot (.) and the method name. Here's the general syntax:</a:t>
+            </a:r>
+          </a:p>
+          <a:p>
+            <a:r>
+              <a:rPr lang="en-US" dirty="0" err="1" smtClean="0"/>
+              <a:t>ClassName.methodName</a:t>
+            </a:r>
+            <a:r>
+              <a:rPr lang="en-US" dirty="0" smtClean="0"/>
+              <a:t>(arguments);</a:t>
+            </a:r>
+          </a:p>
+          <a:p>
+            <a:endParaRPr lang="en-US" dirty="0"/>
           </a:p>
         </p:txBody>
       </p:sp>
@@ -4493,7 +4322,7 @@
       </p:grpSpPr>
       <p:sp>
         <p:nvSpPr>
-          <p:cNvPr id="6146" name="Title 1"/>
+          <p:cNvPr id="2" name="Title 1"/>
           <p:cNvSpPr>
             <a:spLocks noGrp="1"/>
           </p:cNvSpPr>
@@ -4507,9 +4336,10 @@
           <a:lstStyle/>
           <a:p>
             <a:r>
-              <a:rPr lang="en-US" smtClean="0"/>
-              <a:t>Static and Non-static</a:t>
-            </a:r>
+              <a:rPr lang="en-US" dirty="0" smtClean="0"/>
+              <a:t>Static block</a:t>
+            </a:r>
+            <a:endParaRPr lang="en-US" dirty="0"/>
           </a:p>
         </p:txBody>
       </p:sp>
@@ -4525,65 +4355,40 @@
         </p:nvSpPr>
         <p:spPr/>
         <p:txBody>
-          <a:bodyPr rtlCol="0">
-            <a:normAutofit fontScale="92500" lnSpcReduction="10000"/>
-          </a:bodyPr>
+          <a:bodyPr/>
           <a:lstStyle/>
           <a:p>
-            <a:pPr fontAlgn="auto">
-              <a:spcAft>
-                <a:spcPts val="0"/>
-              </a:spcAft>
-              <a:buFont typeface="Arial" pitchFamily="34" charset="0"/>
-              <a:buChar char="•"/>
-              <a:defRPr/>
-            </a:pPr>
-            <a:r>
-              <a:rPr lang="en-US" dirty="0" smtClean="0"/>
-              <a:t>We can access static variables without creating an instance of the class</a:t>
-            </a:r>
-          </a:p>
-          <a:p>
-            <a:pPr fontAlgn="auto">
-              <a:spcAft>
-                <a:spcPts val="0"/>
-              </a:spcAft>
-              <a:buFont typeface="Arial" pitchFamily="34" charset="0"/>
-              <a:buChar char="•"/>
-              <a:defRPr/>
-            </a:pPr>
-            <a:r>
-              <a:rPr lang="en-US" dirty="0" smtClean="0"/>
-              <a:t>As they are already available at class  loading time, we can use them in any of our non static methods.</a:t>
-            </a:r>
-          </a:p>
-          <a:p>
-            <a:pPr fontAlgn="auto">
-              <a:spcAft>
-                <a:spcPts val="0"/>
-              </a:spcAft>
-              <a:buFont typeface="Arial" pitchFamily="34" charset="0"/>
-              <a:buChar char="•"/>
-              <a:defRPr/>
-            </a:pPr>
-            <a:r>
-              <a:rPr lang="en-US" dirty="0" smtClean="0"/>
-              <a:t>We cannot use non static methods and variables without creating an instance of the class as they are bound to the instance of the class.</a:t>
-            </a:r>
-          </a:p>
-          <a:p>
-            <a:pPr fontAlgn="auto">
-              <a:spcAft>
-                <a:spcPts val="0"/>
-              </a:spcAft>
-              <a:buFont typeface="Arial" pitchFamily="34" charset="0"/>
-              <a:buChar char="•"/>
-              <a:defRPr/>
-            </a:pPr>
-            <a:r>
-              <a:rPr lang="en-US" dirty="0" smtClean="0"/>
-              <a:t>They are initialized by the constructor when we create the object using new operator.</a:t>
-            </a:r>
+            <a:r>
+              <a:rPr lang="en-US" dirty="0" smtClean="0"/>
+              <a:t>In Java, a static block (also known as a static initialization block) is a </a:t>
+            </a:r>
+            <a:r>
+              <a:rPr lang="en-US" b="1" dirty="0" smtClean="0"/>
+              <a:t>block of code that gets executed when the class is first loaded into memory. </a:t>
+            </a:r>
+            <a:endParaRPr lang="en-US" b="1" dirty="0" smtClean="0"/>
+          </a:p>
+          <a:p>
+            <a:r>
+              <a:rPr lang="en-US" dirty="0" smtClean="0"/>
+              <a:t>Static </a:t>
+            </a:r>
+            <a:r>
+              <a:rPr lang="en-US" dirty="0" smtClean="0"/>
+              <a:t>blocks are used for static initializations of a class. </a:t>
+            </a:r>
+            <a:endParaRPr lang="en-US" dirty="0" smtClean="0"/>
+          </a:p>
+          <a:p>
+            <a:r>
+              <a:rPr lang="en-US" dirty="0" smtClean="0"/>
+              <a:t>This </a:t>
+            </a:r>
+            <a:r>
+              <a:rPr lang="en-US" dirty="0" smtClean="0"/>
+              <a:t>is particularly useful for initializing static variables and performing tasks that need to be done once when the class is loaded.</a:t>
+            </a:r>
+            <a:endParaRPr lang="en-US" dirty="0"/>
           </a:p>
         </p:txBody>
       </p:sp>
@@ -4614,7 +4419,7 @@
       </p:grpSpPr>
       <p:sp>
         <p:nvSpPr>
-          <p:cNvPr id="7170" name="Title 1"/>
+          <p:cNvPr id="2" name="Title 1"/>
           <p:cNvSpPr>
             <a:spLocks noGrp="1"/>
           </p:cNvSpPr>
@@ -4628,150 +4433,77 @@
           <a:lstStyle/>
           <a:p>
             <a:r>
-              <a:rPr lang="en-US" smtClean="0"/>
-              <a:t>How it works</a:t>
-            </a:r>
-          </a:p>
-        </p:txBody>
-      </p:sp>
-      <p:pic>
-        <p:nvPicPr>
-          <p:cNvPr id="7171" name="Picture 2"/>
-          <p:cNvPicPr>
-            <a:picLocks noChangeAspect="1" noChangeArrowheads="1"/>
-          </p:cNvPicPr>
-          <p:nvPr/>
-        </p:nvPicPr>
-        <p:blipFill>
-          <a:blip r:embed="rId2"/>
-          <a:srcRect/>
-          <a:stretch>
-            <a:fillRect/>
-          </a:stretch>
-        </p:blipFill>
-        <p:spPr bwMode="auto">
-          <a:xfrm>
-            <a:off x="457200" y="1524000"/>
-            <a:ext cx="2695575" cy="4762500"/>
-          </a:xfrm>
-          <a:prstGeom prst="rect">
-            <a:avLst/>
-          </a:prstGeom>
-          <a:noFill/>
-          <a:ln w="9525">
-            <a:noFill/>
-            <a:miter lim="800000"/>
-            <a:headEnd/>
-            <a:tailEnd/>
-          </a:ln>
-        </p:spPr>
-      </p:pic>
-      <p:sp>
-        <p:nvSpPr>
-          <p:cNvPr id="7172" name="TextBox 4"/>
-          <p:cNvSpPr txBox="1">
-            <a:spLocks noChangeArrowheads="1"/>
-          </p:cNvSpPr>
-          <p:nvPr/>
-        </p:nvSpPr>
-        <p:spPr bwMode="auto">
-          <a:xfrm>
-            <a:off x="2971800" y="1676400"/>
-            <a:ext cx="5715000" cy="4462463"/>
-          </a:xfrm>
-          <a:prstGeom prst="rect">
-            <a:avLst/>
-          </a:prstGeom>
-          <a:noFill/>
-          <a:ln w="9525">
-            <a:noFill/>
-            <a:miter lim="800000"/>
-            <a:headEnd/>
-            <a:tailEnd/>
-          </a:ln>
-        </p:spPr>
-        <p:txBody>
-          <a:bodyPr>
-            <a:spAutoFit/>
-          </a:bodyPr>
+              <a:rPr lang="en-US" dirty="0" smtClean="0"/>
+              <a:t>Syntax</a:t>
+            </a:r>
+            <a:endParaRPr lang="en-US" dirty="0"/>
+          </a:p>
+        </p:txBody>
+      </p:sp>
+      <p:sp>
+        <p:nvSpPr>
+          <p:cNvPr id="3" name="Content Placeholder 2"/>
+          <p:cNvSpPr>
+            <a:spLocks noGrp="1"/>
+          </p:cNvSpPr>
+          <p:nvPr>
+            <p:ph idx="1"/>
+          </p:nvPr>
+        </p:nvSpPr>
+        <p:spPr/>
+        <p:txBody>
+          <a:bodyPr/>
           <a:lstStyle/>
           <a:p>
-            <a:pPr marL="342900" indent="-342900"/>
-            <a:r>
-              <a:rPr lang="en-US">
-                <a:latin typeface="Calibri" pitchFamily="34" charset="0"/>
-              </a:rPr>
-              <a:t>Basic Steps of how objects are created</a:t>
-            </a:r>
-          </a:p>
-          <a:p>
-            <a:pPr marL="342900" indent="-342900">
-              <a:buFontTx/>
-              <a:buAutoNum type="arabicPeriod"/>
-            </a:pPr>
-            <a:r>
-              <a:rPr lang="en-US">
-                <a:latin typeface="Calibri" pitchFamily="34" charset="0"/>
-              </a:rPr>
-              <a:t>Class is loaded by JVM</a:t>
-            </a:r>
-          </a:p>
-          <a:p>
-            <a:pPr marL="342900" indent="-342900">
-              <a:buFontTx/>
-              <a:buAutoNum type="arabicPeriod"/>
-            </a:pPr>
-            <a:r>
-              <a:rPr lang="en-US">
-                <a:latin typeface="Calibri" pitchFamily="34" charset="0"/>
-              </a:rPr>
-              <a:t>Static variable and methods are loaded and initialized and available for use</a:t>
-            </a:r>
-          </a:p>
-          <a:p>
-            <a:pPr marL="342900" indent="-342900">
-              <a:buFontTx/>
-              <a:buAutoNum type="arabicPeriod"/>
-            </a:pPr>
-            <a:r>
-              <a:rPr lang="en-US">
-                <a:latin typeface="Calibri" pitchFamily="34" charset="0"/>
-              </a:rPr>
-              <a:t>Constructor is called to instantiate the non static variables </a:t>
-            </a:r>
-          </a:p>
-          <a:p>
-            <a:pPr marL="342900" indent="-342900">
-              <a:buFontTx/>
-              <a:buAutoNum type="arabicPeriod"/>
-            </a:pPr>
-            <a:r>
-              <a:rPr lang="en-US">
-                <a:latin typeface="Calibri" pitchFamily="34" charset="0"/>
-              </a:rPr>
-              <a:t>Non static variables  and methods are now available</a:t>
-            </a:r>
-          </a:p>
-          <a:p>
-            <a:pPr marL="342900" indent="-342900">
-              <a:buFontTx/>
-              <a:buAutoNum type="arabicPeriod"/>
-            </a:pPr>
-            <a:endParaRPr lang="en-US">
-              <a:latin typeface="Calibri" pitchFamily="34" charset="0"/>
-            </a:endParaRPr>
-          </a:p>
-          <a:p>
-            <a:pPr marL="342900" indent="-342900">
-              <a:buFont typeface="Arial" charset="0"/>
-              <a:buChar char="•"/>
-            </a:pPr>
-            <a:r>
-              <a:rPr lang="en-US" sz="2800">
-                <a:latin typeface="Calibri" pitchFamily="34" charset="0"/>
-              </a:rPr>
-              <a:t>As all the non static variable are available only after the constructor is called, there is a restriction on using non static variable in static methods.</a:t>
-            </a:r>
+            <a:r>
+              <a:rPr lang="en-US" dirty="0" smtClean="0"/>
+              <a:t>Static</a:t>
+            </a:r>
+          </a:p>
+          <a:p>
+            <a:r>
+              <a:rPr lang="en-US" dirty="0" smtClean="0"/>
+              <a:t>{</a:t>
+            </a:r>
+          </a:p>
+          <a:p>
+            <a:r>
+              <a:rPr lang="en-US" dirty="0" smtClean="0"/>
+              <a:t>Statements;</a:t>
+            </a:r>
+          </a:p>
+          <a:p>
+            <a:r>
+              <a:rPr lang="en-US" dirty="0" smtClean="0"/>
+              <a:t>}</a:t>
+            </a:r>
+          </a:p>
+          <a:p>
+            <a:r>
+              <a:rPr lang="en-US" dirty="0" smtClean="0"/>
+              <a:t>Static</a:t>
+            </a:r>
+          </a:p>
+          <a:p>
+            <a:r>
+              <a:rPr lang="en-US" dirty="0" smtClean="0"/>
+              <a:t>{</a:t>
+            </a:r>
+          </a:p>
+          <a:p>
+            <a:r>
+              <a:rPr lang="en-US" dirty="0" smtClean="0"/>
+              <a:t>Statements;</a:t>
+            </a:r>
+          </a:p>
+          <a:p>
+            <a:r>
+              <a:rPr lang="en-US" dirty="0" smtClean="0"/>
+              <a:t>}</a:t>
+            </a:r>
+          </a:p>
+          <a:p>
+            <a:endParaRPr lang="en-US" dirty="0"/>
           </a:p>
         </p:txBody>
       </p:sp>
@@ -4802,7 +4534,7 @@
       </p:grpSpPr>
       <p:sp>
         <p:nvSpPr>
-          <p:cNvPr id="8194" name="Title 1"/>
+          <p:cNvPr id="2" name="Title 1"/>
           <p:cNvSpPr>
             <a:spLocks noGrp="1"/>
           </p:cNvSpPr>
@@ -4816,15 +4548,19 @@
           <a:lstStyle/>
           <a:p>
             <a:r>
-              <a:rPr lang="en-US" smtClean="0"/>
-              <a:t>Why do we need this</a:t>
-            </a:r>
-          </a:p>
-        </p:txBody>
-      </p:sp>
-      <p:sp>
-        <p:nvSpPr>
-          <p:cNvPr id="8195" name="Content Placeholder 2"/>
+              <a:rPr lang="en-US" b="1" dirty="0" smtClean="0"/>
+              <a:t>Key Points:</a:t>
+            </a:r>
+            <a:br>
+              <a:rPr lang="en-US" b="1" dirty="0" smtClean="0"/>
+            </a:br>
+            <a:endParaRPr lang="en-US" dirty="0"/>
+          </a:p>
+        </p:txBody>
+      </p:sp>
+      <p:sp>
+        <p:nvSpPr>
+          <p:cNvPr id="3" name="Content Placeholder 2"/>
           <p:cNvSpPr>
             <a:spLocks noGrp="1"/>
           </p:cNvSpPr>
@@ -4838,21 +4574,40 @@
           <a:lstStyle/>
           <a:p>
             <a:r>
-              <a:rPr lang="en-US" smtClean="0"/>
-              <a:t>Static methods are identified to be mostly used when we are writing any utility methods.</a:t>
-            </a:r>
-          </a:p>
-          <a:p>
-            <a:r>
-              <a:rPr lang="en-US" smtClean="0"/>
-              <a:t>We can also use static variables when sharing data.</a:t>
-            </a:r>
-          </a:p>
-          <a:p>
-            <a:r>
-              <a:rPr lang="en-US" smtClean="0"/>
-              <a:t>When sharing data do keep in mind about multithreading can cause inconsistency in the value. (synchronize the variable)</a:t>
-            </a:r>
+              <a:rPr lang="en-US" b="1" dirty="0" smtClean="0"/>
+              <a:t>Executed </a:t>
+            </a:r>
+            <a:r>
+              <a:rPr lang="en-US" b="1" dirty="0" smtClean="0"/>
+              <a:t>Once</a:t>
+            </a:r>
+            <a:r>
+              <a:rPr lang="en-US" dirty="0" smtClean="0"/>
+              <a:t>: Static blocks are executed once when the class is loaded into memory.</a:t>
+            </a:r>
+          </a:p>
+          <a:p>
+            <a:r>
+              <a:rPr lang="en-US" b="1" dirty="0" smtClean="0"/>
+              <a:t>Initialization</a:t>
+            </a:r>
+            <a:r>
+              <a:rPr lang="en-US" dirty="0" smtClean="0"/>
+              <a:t>: They are typically used to initialize static variables.</a:t>
+            </a:r>
+          </a:p>
+          <a:p>
+            <a:r>
+              <a:rPr lang="en-US" b="1" dirty="0" smtClean="0"/>
+              <a:t>Multiple Static Blocks</a:t>
+            </a:r>
+            <a:r>
+              <a:rPr lang="en-US" dirty="0" smtClean="0"/>
+              <a:t>: If a class has multiple static blocks, they are executed in the order they appear in the class.</a:t>
+            </a:r>
+          </a:p>
+          <a:p>
+            <a:endParaRPr lang="en-US" dirty="0"/>
           </a:p>
         </p:txBody>
       </p:sp>
@@ -4883,7 +4638,7 @@
       </p:grpSpPr>
       <p:sp>
         <p:nvSpPr>
-          <p:cNvPr id="9218" name="Title 1"/>
+          <p:cNvPr id="2" name="Title 1"/>
           <p:cNvSpPr>
             <a:spLocks noGrp="1"/>
           </p:cNvSpPr>
@@ -4897,15 +4652,19 @@
           <a:lstStyle/>
           <a:p>
             <a:r>
-              <a:rPr lang="en-US" smtClean="0"/>
-              <a:t>Further Reading</a:t>
-            </a:r>
-          </a:p>
-        </p:txBody>
-      </p:sp>
-      <p:sp>
-        <p:nvSpPr>
-          <p:cNvPr id="9219" name="Content Placeholder 2"/>
+              <a:rPr lang="en-US" b="1" smtClean="0"/>
+              <a:t>Key Points:</a:t>
+            </a:r>
+            <a:br>
+              <a:rPr lang="en-US" b="1" smtClean="0"/>
+            </a:br>
+            <a:endParaRPr lang="en-US"/>
+          </a:p>
+        </p:txBody>
+      </p:sp>
+      <p:sp>
+        <p:nvSpPr>
+          <p:cNvPr id="3" name="Content Placeholder 2"/>
           <p:cNvSpPr>
             <a:spLocks noGrp="1"/>
           </p:cNvSpPr>
@@ -4919,9 +4678,26 @@
           <a:lstStyle/>
           <a:p>
             <a:r>
-              <a:rPr lang="en-US" smtClean="0"/>
-              <a:t>http://docs.oracle.com/javase/tutorial/java/javaOO/classvars.html</a:t>
-            </a:r>
+              <a:rPr lang="en-US" b="1" dirty="0" smtClean="0"/>
+              <a:t>No Return Type</a:t>
+            </a:r>
+            <a:r>
+              <a:rPr lang="en-US" dirty="0" smtClean="0"/>
+              <a:t>: Static blocks do not have a return type.</a:t>
+            </a:r>
+          </a:p>
+          <a:p>
+            <a:r>
+              <a:rPr lang="en-US" b="1" dirty="0" smtClean="0"/>
+              <a:t>Called Automatically</a:t>
+            </a:r>
+            <a:r>
+              <a:rPr lang="en-US" dirty="0" smtClean="0"/>
+              <a:t>: Static blocks are called automatically, without needing to create an instance of the class or call a method.</a:t>
+            </a:r>
+          </a:p>
+          <a:p>
+            <a:endParaRPr lang="en-US" dirty="0"/>
           </a:p>
         </p:txBody>
       </p:sp>
@@ -5579,8 +5355,16 @@
           </a:p>
           <a:p>
             <a:r>
-              <a:rPr lang="en-US" dirty="0" smtClean="0"/>
-              <a:t>static type </a:t>
+              <a:rPr lang="en-US" dirty="0" smtClean="0">
+                <a:solidFill>
+                  <a:srgbClr val="FF0000"/>
+                </a:solidFill>
+              </a:rPr>
+              <a:t>static</a:t>
+            </a:r>
+            <a:r>
+              <a:rPr lang="en-US" dirty="0" smtClean="0"/>
+              <a:t> type </a:t>
             </a:r>
             <a:r>
               <a:rPr lang="en-US" dirty="0" err="1" smtClean="0"/>
@@ -5593,12 +5377,12 @@
           </a:p>
           <a:p>
             <a:r>
-              <a:rPr lang="en-US" dirty="0" err="1" smtClean="0"/>
-              <a:t>Example:static</a:t>
-            </a:r>
-            <a:r>
-              <a:rPr lang="en-US" dirty="0" smtClean="0"/>
-              <a:t> </a:t>
+              <a:rPr lang="en-US" dirty="0" smtClean="0"/>
+              <a:t>Example</a:t>
+            </a:r>
+            <a:r>
+              <a:rPr lang="en-US" dirty="0" smtClean="0"/>
+              <a:t>: static </a:t>
             </a:r>
             <a:r>
               <a:rPr lang="en-US" dirty="0" err="1" smtClean="0"/>
@@ -6038,19 +5822,7 @@
             </a:r>
             <a:r>
               <a:rPr lang="en-US" dirty="0" smtClean="0"/>
-              <a:t> String college </a:t>
-            </a:r>
-            <a:r>
-              <a:rPr lang="en-US" dirty="0" smtClean="0"/>
-              <a:t>=“LBRCE";//</a:t>
-            </a:r>
-            <a:r>
-              <a:rPr lang="en-US" dirty="0" smtClean="0"/>
-              <a:t>static </a:t>
-            </a:r>
-            <a:r>
-              <a:rPr lang="en-US" dirty="0" smtClean="0"/>
-              <a:t>variable</a:t>
+              <a:t> String college =“LBRCE";//static variable</a:t>
             </a:r>
           </a:p>
           <a:p>
@@ -6076,6 +5848,13 @@
             <a:r>
               <a:rPr lang="en-US" dirty="0" err="1" smtClean="0"/>
               <a:t>Student.college</a:t>
+            </a:r>
+            <a:endParaRPr lang="en-US" dirty="0" smtClean="0"/>
+          </a:p>
+          <a:p>
+            <a:r>
+              <a:rPr lang="en-US" dirty="0" smtClean="0"/>
+              <a:t>Object1.name/Object2.name---gives same result</a:t>
             </a:r>
             <a:endParaRPr lang="en-US" dirty="0" smtClean="0"/>
           </a:p>
@@ -6236,81 +6015,33 @@
           <a:p>
             <a:r>
               <a:rPr lang="en-US" dirty="0" smtClean="0"/>
-              <a:t>class </a:t>
+              <a:t>Static methods belong to the class rather than any specific </a:t>
             </a:r>
             <a:r>
               <a:rPr lang="en-US" dirty="0" err="1" smtClean="0"/>
-              <a:t>ClassName</a:t>
-            </a:r>
-            <a:r>
-              <a:rPr lang="en-US" dirty="0" smtClean="0"/>
-              <a:t> {</a:t>
-            </a:r>
-          </a:p>
-          <a:p>
-            <a:r>
-              <a:rPr lang="en-US" dirty="0" smtClean="0"/>
-              <a:t>    // Static method</a:t>
-            </a:r>
-          </a:p>
-          <a:p>
-            <a:r>
-              <a:rPr lang="en-US" dirty="0" smtClean="0"/>
-              <a:t>    </a:t>
-            </a:r>
-            <a:r>
-              <a:rPr lang="en-US" dirty="0" smtClean="0">
-                <a:solidFill>
-                  <a:srgbClr val="FF0000"/>
-                </a:solidFill>
-              </a:rPr>
-              <a:t>static</a:t>
-            </a:r>
-            <a:r>
-              <a:rPr lang="en-US" dirty="0" smtClean="0"/>
-              <a:t> </a:t>
+              <a:t>instance.Called</a:t>
+            </a:r>
+            <a:r>
+              <a:rPr lang="en-US" dirty="0" smtClean="0"/>
+              <a:t> on the class itself, not on objects of the </a:t>
             </a:r>
             <a:r>
               <a:rPr lang="en-US" dirty="0" err="1" smtClean="0"/>
-              <a:t>returnType</a:t>
-            </a:r>
-            <a:r>
-              <a:rPr lang="en-US" dirty="0" smtClean="0"/>
-              <a:t> </a:t>
-            </a:r>
-            <a:r>
-              <a:rPr lang="en-US" dirty="0" err="1" smtClean="0">
-                <a:solidFill>
-                  <a:srgbClr val="FF0000"/>
-                </a:solidFill>
-              </a:rPr>
-              <a:t>methodName</a:t>
-            </a:r>
-            <a:r>
-              <a:rPr lang="en-US" dirty="0" smtClean="0"/>
-              <a:t>(parameters) {</a:t>
-            </a:r>
-          </a:p>
-          <a:p>
-            <a:r>
-              <a:rPr lang="en-US" dirty="0" smtClean="0"/>
-              <a:t>        // Method body</a:t>
-            </a:r>
-          </a:p>
-          <a:p>
-            <a:r>
-              <a:rPr lang="en-US" dirty="0" smtClean="0"/>
-              <a:t>    }</a:t>
-            </a:r>
-          </a:p>
-          <a:p>
-            <a:r>
-              <a:rPr lang="en-US" dirty="0" smtClean="0"/>
-              <a:t>}</a:t>
-            </a:r>
-          </a:p>
-          <a:p>
-            <a:endParaRPr lang="en-US" dirty="0"/>
+              <a:t>class.Syntax</a:t>
+            </a:r>
+            <a:r>
+              <a:rPr lang="en-US" dirty="0" smtClean="0"/>
+              <a:t>: </a:t>
+            </a:r>
+            <a:r>
+              <a:rPr lang="en-US" b="1" dirty="0" err="1" smtClean="0"/>
+              <a:t>ClassName.methodName</a:t>
+            </a:r>
+            <a:r>
+              <a:rPr lang="en-US" b="1" dirty="0" smtClean="0"/>
+              <a:t>();</a:t>
+            </a:r>
+            <a:endParaRPr lang="en-US" b="1" dirty="0"/>
           </a:p>
         </p:txBody>
       </p:sp>
@@ -6354,7 +6085,11 @@
           <a:bodyPr/>
           <a:lstStyle/>
           <a:p>
-            <a:endParaRPr lang="en-US"/>
+            <a:r>
+              <a:rPr lang="en-US" dirty="0" smtClean="0"/>
+              <a:t>Key Characteristics of Static Methods</a:t>
+            </a:r>
+            <a:endParaRPr lang="en-US" dirty="0"/>
           </a:p>
         </p:txBody>
       </p:sp>
@@ -6375,76 +6110,21 @@
           <a:p>
             <a:r>
               <a:rPr lang="en-US" dirty="0" smtClean="0"/>
-              <a:t>class </a:t>
-            </a:r>
-            <a:r>
-              <a:rPr lang="en-US" dirty="0" err="1" smtClean="0"/>
-              <a:t>MathOperations</a:t>
-            </a:r>
-            <a:r>
-              <a:rPr lang="en-US" dirty="0" smtClean="0"/>
-              <a:t> {</a:t>
-            </a:r>
-          </a:p>
-          <a:p>
-            <a:pPr>
-              <a:buNone/>
-            </a:pPr>
-            <a:r>
-              <a:rPr lang="en-US" dirty="0" smtClean="0"/>
-              <a:t>   </a:t>
-            </a:r>
-          </a:p>
-          <a:p>
-            <a:pPr>
-              <a:buNone/>
-            </a:pPr>
-            <a:r>
-              <a:rPr lang="en-US" dirty="0" smtClean="0"/>
-              <a:t>  static </a:t>
-            </a:r>
-            <a:r>
-              <a:rPr lang="en-US" dirty="0" err="1" smtClean="0"/>
-              <a:t>int</a:t>
-            </a:r>
-            <a:r>
-              <a:rPr lang="en-US" dirty="0" smtClean="0"/>
-              <a:t> square(</a:t>
-            </a:r>
-            <a:r>
-              <a:rPr lang="en-US" dirty="0" err="1" smtClean="0"/>
-              <a:t>int</a:t>
-            </a:r>
-            <a:r>
-              <a:rPr lang="en-US" dirty="0" smtClean="0"/>
-              <a:t> number) {</a:t>
-            </a:r>
-          </a:p>
-          <a:p>
-            <a:pPr>
-              <a:buNone/>
-            </a:pPr>
-            <a:r>
-              <a:rPr lang="en-US" dirty="0" smtClean="0"/>
-              <a:t>       return number * number;</a:t>
-            </a:r>
-          </a:p>
-          <a:p>
-            <a:pPr>
-              <a:buNone/>
-            </a:pPr>
-            <a:r>
-              <a:rPr lang="en-US" dirty="0" smtClean="0"/>
-              <a:t>    }</a:t>
-            </a:r>
-          </a:p>
-          <a:p>
-            <a:pPr>
-              <a:buNone/>
-            </a:pPr>
-            <a:r>
-              <a:rPr lang="en-US" dirty="0" smtClean="0"/>
-              <a:t>    </a:t>
+              <a:t>Cannot access instance variables/methods directly</a:t>
+            </a:r>
+            <a:r>
+              <a:rPr lang="en-US" dirty="0" smtClean="0"/>
+              <a:t>.</a:t>
+            </a:r>
+          </a:p>
+          <a:p>
+            <a:r>
+              <a:rPr lang="en-US" dirty="0" smtClean="0"/>
+              <a:t>Only </a:t>
+            </a:r>
+            <a:r>
+              <a:rPr lang="en-US" dirty="0" smtClean="0"/>
+              <a:t>call other static methods and access static variable</a:t>
             </a:r>
             <a:endParaRPr lang="en-US" dirty="0"/>
           </a:p>
